--- a/JavaScript/Week1/Week1.pptx
+++ b/JavaScript/Week1/Week1.pptx
@@ -138,75 +138,53 @@
 <pc:chgInfo xmlns:a="http://schemas.openxmlformats.org/drawingml/2006/main" xmlns:r="http://schemas.openxmlformats.org/officeDocument/2006/relationships" xmlns:ac="http://schemas.microsoft.com/office/drawing/2013/main/command" xmlns:pc="http://schemas.microsoft.com/office/powerpoint/2013/main/command">
   <pc:docChgLst>
     <pc:chgData name="Noman  Atique" userId="aab35d70-e8e0-4a76-8862-eddb3a1d4775" providerId="ADAL" clId="{D4AAC077-1EEA-4817-98ED-55C003801FB8}"/>
-    <pc:docChg chg="custSel delSld modSld">
-      <pc:chgData name="Noman  Atique" userId="aab35d70-e8e0-4a76-8862-eddb3a1d4775" providerId="ADAL" clId="{D4AAC077-1EEA-4817-98ED-55C003801FB8}" dt="2026-01-12T16:18:07.119" v="28" actId="20577"/>
+    <pc:docChg chg="custSel modSld">
+      <pc:chgData name="Noman  Atique" userId="aab35d70-e8e0-4a76-8862-eddb3a1d4775" providerId="ADAL" clId="{D4AAC077-1EEA-4817-98ED-55C003801FB8}" dt="2026-01-14T16:10:14.554" v="44" actId="20577"/>
       <pc:docMkLst>
         <pc:docMk/>
       </pc:docMkLst>
-      <pc:sldChg chg="del">
-        <pc:chgData name="Noman  Atique" userId="aab35d70-e8e0-4a76-8862-eddb3a1d4775" providerId="ADAL" clId="{D4AAC077-1EEA-4817-98ED-55C003801FB8}" dt="2026-01-12T15:31:29.042" v="0" actId="47"/>
+      <pc:sldChg chg="modSp mod">
+        <pc:chgData name="Noman  Atique" userId="aab35d70-e8e0-4a76-8862-eddb3a1d4775" providerId="ADAL" clId="{D4AAC077-1EEA-4817-98ED-55C003801FB8}" dt="2026-01-14T15:40:52.743" v="4" actId="20577"/>
         <pc:sldMkLst>
           <pc:docMk/>
-          <pc:sldMk cId="27425106" sldId="260"/>
-        </pc:sldMkLst>
-      </pc:sldChg>
-      <pc:sldChg chg="modSp mod">
-        <pc:chgData name="Noman  Atique" userId="aab35d70-e8e0-4a76-8862-eddb3a1d4775" providerId="ADAL" clId="{D4AAC077-1EEA-4817-98ED-55C003801FB8}" dt="2026-01-12T15:47:17.162" v="1" actId="207"/>
-        <pc:sldMkLst>
-          <pc:docMk/>
-          <pc:sldMk cId="3046278548" sldId="265"/>
+          <pc:sldMk cId="584018342" sldId="274"/>
         </pc:sldMkLst>
         <pc:spChg chg="mod">
-          <ac:chgData name="Noman  Atique" userId="aab35d70-e8e0-4a76-8862-eddb3a1d4775" providerId="ADAL" clId="{D4AAC077-1EEA-4817-98ED-55C003801FB8}" dt="2026-01-12T15:47:17.162" v="1" actId="207"/>
+          <ac:chgData name="Noman  Atique" userId="aab35d70-e8e0-4a76-8862-eddb3a1d4775" providerId="ADAL" clId="{D4AAC077-1EEA-4817-98ED-55C003801FB8}" dt="2026-01-14T15:40:52.743" v="4" actId="20577"/>
           <ac:spMkLst>
             <pc:docMk/>
-            <pc:sldMk cId="3046278548" sldId="265"/>
-            <ac:spMk id="3" creationId="{A147E47B-3B1A-A939-CA20-2B64429EC402}"/>
+            <pc:sldMk cId="584018342" sldId="274"/>
+            <ac:spMk id="3" creationId="{52889044-35BE-0247-7E27-D31C772B4941}"/>
           </ac:spMkLst>
         </pc:spChg>
       </pc:sldChg>
       <pc:sldChg chg="modSp mod">
-        <pc:chgData name="Noman  Atique" userId="aab35d70-e8e0-4a76-8862-eddb3a1d4775" providerId="ADAL" clId="{D4AAC077-1EEA-4817-98ED-55C003801FB8}" dt="2026-01-12T15:59:14.905" v="5" actId="20577"/>
+        <pc:chgData name="Noman  Atique" userId="aab35d70-e8e0-4a76-8862-eddb3a1d4775" providerId="ADAL" clId="{D4AAC077-1EEA-4817-98ED-55C003801FB8}" dt="2026-01-14T15:42:02.448" v="5" actId="20577"/>
         <pc:sldMkLst>
           <pc:docMk/>
-          <pc:sldMk cId="1304836760" sldId="267"/>
+          <pc:sldMk cId="3353278895" sldId="275"/>
         </pc:sldMkLst>
         <pc:spChg chg="mod">
-          <ac:chgData name="Noman  Atique" userId="aab35d70-e8e0-4a76-8862-eddb3a1d4775" providerId="ADAL" clId="{D4AAC077-1EEA-4817-98ED-55C003801FB8}" dt="2026-01-12T15:59:14.905" v="5" actId="20577"/>
+          <ac:chgData name="Noman  Atique" userId="aab35d70-e8e0-4a76-8862-eddb3a1d4775" providerId="ADAL" clId="{D4AAC077-1EEA-4817-98ED-55C003801FB8}" dt="2026-01-14T15:42:02.448" v="5" actId="20577"/>
           <ac:spMkLst>
             <pc:docMk/>
-            <pc:sldMk cId="1304836760" sldId="267"/>
-            <ac:spMk id="3" creationId="{E9A6C145-DC4C-7AC1-8167-FD8FF7A48C71}"/>
+            <pc:sldMk cId="3353278895" sldId="275"/>
+            <ac:spMk id="3" creationId="{C1DF1574-0F69-426E-9419-882E6D33AC0D}"/>
           </ac:spMkLst>
         </pc:spChg>
       </pc:sldChg>
       <pc:sldChg chg="modSp mod">
-        <pc:chgData name="Noman  Atique" userId="aab35d70-e8e0-4a76-8862-eddb3a1d4775" providerId="ADAL" clId="{D4AAC077-1EEA-4817-98ED-55C003801FB8}" dt="2026-01-12T16:02:25.156" v="13" actId="403"/>
+        <pc:chgData name="Noman  Atique" userId="aab35d70-e8e0-4a76-8862-eddb3a1d4775" providerId="ADAL" clId="{D4AAC077-1EEA-4817-98ED-55C003801FB8}" dt="2026-01-14T16:10:14.554" v="44" actId="20577"/>
         <pc:sldMkLst>
           <pc:docMk/>
-          <pc:sldMk cId="1981209825" sldId="268"/>
+          <pc:sldMk cId="1728345523" sldId="277"/>
         </pc:sldMkLst>
         <pc:spChg chg="mod">
-          <ac:chgData name="Noman  Atique" userId="aab35d70-e8e0-4a76-8862-eddb3a1d4775" providerId="ADAL" clId="{D4AAC077-1EEA-4817-98ED-55C003801FB8}" dt="2026-01-12T16:02:25.156" v="13" actId="403"/>
+          <ac:chgData name="Noman  Atique" userId="aab35d70-e8e0-4a76-8862-eddb3a1d4775" providerId="ADAL" clId="{D4AAC077-1EEA-4817-98ED-55C003801FB8}" dt="2026-01-14T16:10:14.554" v="44" actId="20577"/>
           <ac:spMkLst>
             <pc:docMk/>
-            <pc:sldMk cId="1981209825" sldId="268"/>
-            <ac:spMk id="3" creationId="{04AD83E9-D8DE-F437-A623-61441025E8D5}"/>
-          </ac:spMkLst>
-        </pc:spChg>
-      </pc:sldChg>
-      <pc:sldChg chg="modSp mod">
-        <pc:chgData name="Noman  Atique" userId="aab35d70-e8e0-4a76-8862-eddb3a1d4775" providerId="ADAL" clId="{D4AAC077-1EEA-4817-98ED-55C003801FB8}" dt="2026-01-12T16:18:07.119" v="28" actId="20577"/>
-        <pc:sldMkLst>
-          <pc:docMk/>
-          <pc:sldMk cId="357482642" sldId="270"/>
-        </pc:sldMkLst>
-        <pc:spChg chg="mod">
-          <ac:chgData name="Noman  Atique" userId="aab35d70-e8e0-4a76-8862-eddb3a1d4775" providerId="ADAL" clId="{D4AAC077-1EEA-4817-98ED-55C003801FB8}" dt="2026-01-12T16:18:07.119" v="28" actId="20577"/>
-          <ac:spMkLst>
-            <pc:docMk/>
-            <pc:sldMk cId="357482642" sldId="270"/>
-            <ac:spMk id="3" creationId="{6F7F6923-412C-9920-7925-EAC557E54928}"/>
+            <pc:sldMk cId="1728345523" sldId="277"/>
+            <ac:spMk id="2" creationId="{2435461A-1206-6847-9D7B-6C040F764DF1}"/>
           </ac:spMkLst>
         </pc:spChg>
       </pc:sldChg>
@@ -346,7 +324,7 @@
           <a:p>
             <a:fld id="{F28A4246-F2A7-4220-A405-8A96DAE08D6A}" type="datetimeFigureOut">
               <a:rPr lang="en-US" smtClean="0"/>
-              <a:t>1/12/2026</a:t>
+              <a:t>1/14/2026</a:t>
             </a:fld>
             <a:endParaRPr lang="en-US"/>
           </a:p>
@@ -516,7 +494,7 @@
           <a:p>
             <a:fld id="{F28A4246-F2A7-4220-A405-8A96DAE08D6A}" type="datetimeFigureOut">
               <a:rPr lang="en-US" smtClean="0"/>
-              <a:t>1/12/2026</a:t>
+              <a:t>1/14/2026</a:t>
             </a:fld>
             <a:endParaRPr lang="en-US"/>
           </a:p>
@@ -696,7 +674,7 @@
           <a:p>
             <a:fld id="{F28A4246-F2A7-4220-A405-8A96DAE08D6A}" type="datetimeFigureOut">
               <a:rPr lang="en-US" smtClean="0"/>
-              <a:t>1/12/2026</a:t>
+              <a:t>1/14/2026</a:t>
             </a:fld>
             <a:endParaRPr lang="en-US"/>
           </a:p>
@@ -866,7 +844,7 @@
           <a:p>
             <a:fld id="{F28A4246-F2A7-4220-A405-8A96DAE08D6A}" type="datetimeFigureOut">
               <a:rPr lang="en-US" smtClean="0"/>
-              <a:t>1/12/2026</a:t>
+              <a:t>1/14/2026</a:t>
             </a:fld>
             <a:endParaRPr lang="en-US"/>
           </a:p>
@@ -1112,7 +1090,7 @@
           <a:p>
             <a:fld id="{F28A4246-F2A7-4220-A405-8A96DAE08D6A}" type="datetimeFigureOut">
               <a:rPr lang="en-US" smtClean="0"/>
-              <a:t>1/12/2026</a:t>
+              <a:t>1/14/2026</a:t>
             </a:fld>
             <a:endParaRPr lang="en-US"/>
           </a:p>
@@ -1344,7 +1322,7 @@
           <a:p>
             <a:fld id="{F28A4246-F2A7-4220-A405-8A96DAE08D6A}" type="datetimeFigureOut">
               <a:rPr lang="en-US" smtClean="0"/>
-              <a:t>1/12/2026</a:t>
+              <a:t>1/14/2026</a:t>
             </a:fld>
             <a:endParaRPr lang="en-US"/>
           </a:p>
@@ -1711,7 +1689,7 @@
           <a:p>
             <a:fld id="{F28A4246-F2A7-4220-A405-8A96DAE08D6A}" type="datetimeFigureOut">
               <a:rPr lang="en-US" smtClean="0"/>
-              <a:t>1/12/2026</a:t>
+              <a:t>1/14/2026</a:t>
             </a:fld>
             <a:endParaRPr lang="en-US"/>
           </a:p>
@@ -1829,7 +1807,7 @@
           <a:p>
             <a:fld id="{F28A4246-F2A7-4220-A405-8A96DAE08D6A}" type="datetimeFigureOut">
               <a:rPr lang="en-US" smtClean="0"/>
-              <a:t>1/12/2026</a:t>
+              <a:t>1/14/2026</a:t>
             </a:fld>
             <a:endParaRPr lang="en-US"/>
           </a:p>
@@ -1924,7 +1902,7 @@
           <a:p>
             <a:fld id="{F28A4246-F2A7-4220-A405-8A96DAE08D6A}" type="datetimeFigureOut">
               <a:rPr lang="en-US" smtClean="0"/>
-              <a:t>1/12/2026</a:t>
+              <a:t>1/14/2026</a:t>
             </a:fld>
             <a:endParaRPr lang="en-US"/>
           </a:p>
@@ -2201,7 +2179,7 @@
           <a:p>
             <a:fld id="{F28A4246-F2A7-4220-A405-8A96DAE08D6A}" type="datetimeFigureOut">
               <a:rPr lang="en-US" smtClean="0"/>
-              <a:t>1/12/2026</a:t>
+              <a:t>1/14/2026</a:t>
             </a:fld>
             <a:endParaRPr lang="en-US"/>
           </a:p>
@@ -2458,7 +2436,7 @@
           <a:p>
             <a:fld id="{F28A4246-F2A7-4220-A405-8A96DAE08D6A}" type="datetimeFigureOut">
               <a:rPr lang="en-US" smtClean="0"/>
-              <a:t>1/12/2026</a:t>
+              <a:t>1/14/2026</a:t>
             </a:fld>
             <a:endParaRPr lang="en-US"/>
           </a:p>
@@ -2671,7 +2649,7 @@
           <a:p>
             <a:fld id="{F28A4246-F2A7-4220-A405-8A96DAE08D6A}" type="datetimeFigureOut">
               <a:rPr lang="en-US" smtClean="0"/>
-              <a:t>1/12/2026</a:t>
+              <a:t>1/14/2026</a:t>
             </a:fld>
             <a:endParaRPr lang="en-US"/>
           </a:p>
@@ -3883,13 +3861,8 @@
           <a:p>
             <a:r>
               <a:rPr lang="en-US" dirty="0"/>
-              <a:t>Arithmetic assignment operators? </a:t>
-            </a:r>
-            <a:r>
-              <a:rPr lang="en-US"/>
-              <a:t>+=, -=, *=, /=</a:t>
-            </a:r>
-            <a:endParaRPr lang="en-US" dirty="0"/>
+              <a:t>Arithmetic assignment operators? +=, -=, *=, /=</a:t>
+            </a:r>
           </a:p>
           <a:p>
             <a:endParaRPr lang="en-US" dirty="0"/>
@@ -4253,40 +4226,65 @@
             <p:ph idx="1"/>
           </p:nvPr>
         </p:nvSpPr>
-        <p:spPr/>
+        <p:spPr>
+          <a:xfrm>
+            <a:off x="827314" y="1825625"/>
+            <a:ext cx="10515600" cy="4351338"/>
+          </a:xfrm>
+        </p:spPr>
         <p:txBody>
           <a:bodyPr>
             <a:normAutofit fontScale="77500" lnSpcReduction="20000"/>
           </a:bodyPr>
           <a:lstStyle/>
           <a:p>
+            <a:pPr marL="0" indent="0">
+              <a:buNone/>
+            </a:pPr>
             <a:r>
               <a:rPr lang="en-US" dirty="0"/>
               <a:t>1. Sequential, </a:t>
             </a:r>
           </a:p>
           <a:p>
+            <a:pPr marL="0" indent="0">
+              <a:buNone/>
+            </a:pPr>
             <a:r>
               <a:rPr lang="en-US" dirty="0"/>
               <a:t>2. Conditional, </a:t>
             </a:r>
           </a:p>
           <a:p>
+            <a:pPr marL="0" indent="0">
+              <a:buNone/>
+            </a:pPr>
             <a:r>
               <a:rPr lang="en-US" dirty="0"/>
               <a:t>3. Looping, </a:t>
             </a:r>
           </a:p>
           <a:p>
-            <a:r>
-              <a:rPr lang="en-US" dirty="0"/>
-              <a:t>4. Transfer</a:t>
-            </a:r>
-          </a:p>
-          <a:p>
-            <a:endParaRPr lang="en-US" dirty="0"/>
-          </a:p>
-          <a:p>
+            <a:pPr marL="0" indent="0">
+              <a:buNone/>
+            </a:pPr>
+            <a:r>
+              <a:rPr lang="en-US" dirty="0"/>
+              <a:t>4. Transfer ( transfer of control from one part of the program </a:t>
+            </a:r>
+            <a:r>
+              <a:rPr lang="en-US"/>
+              <a:t>to another part)</a:t>
+            </a:r>
+            <a:endParaRPr lang="en-US" dirty="0"/>
+          </a:p>
+          <a:p>
+            <a:endParaRPr lang="en-US" dirty="0"/>
+          </a:p>
+          <a:p>
+            <a:pPr marL="0" indent="0">
+              <a:buNone/>
+            </a:pPr>
             <a:r>
               <a:rPr lang="en-US" dirty="0"/>
               <a:t>How well do you know for loop?</a:t>
@@ -4455,7 +4453,11 @@
               <a:buNone/>
             </a:pPr>
             <a:r>
-              <a:rPr lang="en-US" dirty="0"/>
+              <a:rPr lang="en-US" dirty="0">
+                <a:solidFill>
+                  <a:srgbClr val="FF0000"/>
+                </a:solidFill>
+              </a:rPr>
               <a:t>Functions are the most imperative part of JS programming.</a:t>
             </a:r>
           </a:p>
@@ -4519,7 +4521,7 @@
             </a:pPr>
             <a:r>
               <a:rPr lang="en-US" dirty="0"/>
-              <a:t>           let juice =  juicer(apples)</a:t>
+              <a:t>           let juice =  juicer(apples) ???</a:t>
             </a:r>
           </a:p>
           <a:p>
@@ -4853,26 +4855,6 @@
             <a:endParaRPr lang="en-US" dirty="0"/>
           </a:p>
           <a:p>
-            <a:pPr marL="0" indent="0">
-              <a:buNone/>
-            </a:pPr>
-            <a:r>
-              <a:rPr lang="en-US" dirty="0"/>
-              <a:t>We will start </a:t>
-            </a:r>
-            <a:r>
-              <a:rPr lang="en-US"/>
-              <a:t>from slide 22 next week </a:t>
-            </a:r>
-            <a:r>
-              <a:rPr lang="en-US">
-                <a:sym typeface="Wingdings" pitchFamily="2" charset="2"/>
-              </a:rPr>
-              <a:t></a:t>
-            </a:r>
-            <a:endParaRPr lang="en-US" dirty="0"/>
-          </a:p>
-          <a:p>
             <a:endParaRPr lang="en-US" dirty="0"/>
           </a:p>
         </p:txBody>
@@ -5048,12 +5030,14 @@
         </p:nvSpPr>
         <p:spPr/>
         <p:txBody>
-          <a:bodyPr/>
-          <a:lstStyle/>
-          <a:p>
-            <a:r>
-              <a:rPr lang="en-US" dirty="0"/>
-              <a:t> Function Declarations:</a:t>
+          <a:bodyPr>
+            <a:normAutofit fontScale="90000"/>
+          </a:bodyPr>
+          <a:lstStyle/>
+          <a:p>
+            <a:r>
+              <a:rPr lang="en-US" dirty="0"/>
+              <a:t> Function Declarations: Next class from slide 23 on Monday </a:t>
             </a:r>
             <a:br>
               <a:rPr lang="en-US" dirty="0"/>
